--- a/assets/lecture14/figs.pptx
+++ b/assets/lecture14/figs.pptx
@@ -4652,7 +4652,7 @@
         </p:nvSpPr>
         <p:spPr>
           <a:xfrm>
-            <a:off x="4810569" y="2471455"/>
+            <a:off x="4844586" y="2471455"/>
             <a:ext cx="2059411" cy="307777"/>
           </a:xfrm>
           <a:prstGeom prst="rect">
@@ -4668,7 +4668,7 @@
           <a:p>
             <a:pPr algn="ctr"/>
             <a:r>
-              <a:rPr lang="en-US" sz="1400" dirty="0" err="1" smtClean="0"/>
+              <a:rPr lang="en-US" sz="1400" dirty="0" smtClean="0"/>
               <a:t>cDNA</a:t>
             </a:r>
             <a:endParaRPr lang="en-US" sz="1400" dirty="0"/>
